--- a/Week4FridayPresentation.pptx
+++ b/Week4FridayPresentation.pptx
@@ -5,16 +5,17 @@
     <p:sldMasterId id="2147483672" r:id="rId1"/>
   </p:sldMasterIdLst>
   <p:notesMasterIdLst>
-    <p:notesMasterId r:id="rId9"/>
+    <p:notesMasterId r:id="rId10"/>
   </p:notesMasterIdLst>
   <p:sldIdLst>
     <p:sldId id="256" r:id="rId2"/>
     <p:sldId id="263" r:id="rId3"/>
     <p:sldId id="258" r:id="rId4"/>
     <p:sldId id="267" r:id="rId5"/>
-    <p:sldId id="268" r:id="rId6"/>
-    <p:sldId id="269" r:id="rId7"/>
-    <p:sldId id="266" r:id="rId8"/>
+    <p:sldId id="270" r:id="rId6"/>
+    <p:sldId id="268" r:id="rId7"/>
+    <p:sldId id="269" r:id="rId8"/>
+    <p:sldId id="266" r:id="rId9"/>
   </p:sldIdLst>
   <p:sldSz cx="12192000" cy="6858000"/>
   <p:notesSz cx="6858000" cy="9144000"/>
@@ -203,7 +204,7 @@
           <a:p>
             <a:fld id="{27A84FDC-0F53-4F89-9833-4658D45289B3}" type="datetimeFigureOut">
               <a:rPr lang="en-US" smtClean="0"/>
-              <a:t>5/4/2018</a:t>
+              <a:t>5/16/2018</a:t>
             </a:fld>
             <a:endParaRPr lang="en-US"/>
           </a:p>
@@ -799,7 +800,7 @@
           <a:p>
             <a:fld id="{6DC13EF4-6E6F-4329-9200-017FCB8D0EC1}" type="slidenum">
               <a:rPr lang="en-US" smtClean="0"/>
-              <a:t>7</a:t>
+              <a:t>8</a:t>
             </a:fld>
             <a:endParaRPr lang="en-US"/>
           </a:p>
@@ -1540,7 +1541,7 @@
           <a:p>
             <a:fld id="{469BEBF2-5D07-4A36-8212-8257E00C6FD2}" type="datetimeFigureOut">
               <a:rPr lang="en-CA" smtClean="0"/>
-              <a:t>2018-05-04</a:t>
+              <a:t>2018-05-16</a:t>
             </a:fld>
             <a:endParaRPr lang="en-CA"/>
           </a:p>
@@ -1791,7 +1792,7 @@
           <a:p>
             <a:fld id="{469BEBF2-5D07-4A36-8212-8257E00C6FD2}" type="datetimeFigureOut">
               <a:rPr lang="en-CA" smtClean="0"/>
-              <a:t>2018-05-04</a:t>
+              <a:t>2018-05-16</a:t>
             </a:fld>
             <a:endParaRPr lang="en-CA"/>
           </a:p>
@@ -2105,7 +2106,7 @@
           <a:p>
             <a:fld id="{469BEBF2-5D07-4A36-8212-8257E00C6FD2}" type="datetimeFigureOut">
               <a:rPr lang="en-CA" smtClean="0"/>
-              <a:t>2018-05-04</a:t>
+              <a:t>2018-05-16</a:t>
             </a:fld>
             <a:endParaRPr lang="en-CA"/>
           </a:p>
@@ -2446,7 +2447,7 @@
           <a:p>
             <a:fld id="{469BEBF2-5D07-4A36-8212-8257E00C6FD2}" type="datetimeFigureOut">
               <a:rPr lang="en-CA" smtClean="0"/>
-              <a:t>2018-05-04</a:t>
+              <a:t>2018-05-16</a:t>
             </a:fld>
             <a:endParaRPr lang="en-CA"/>
           </a:p>
@@ -2760,7 +2761,7 @@
           <a:p>
             <a:fld id="{469BEBF2-5D07-4A36-8212-8257E00C6FD2}" type="datetimeFigureOut">
               <a:rPr lang="en-CA" smtClean="0"/>
-              <a:t>2018-05-04</a:t>
+              <a:t>2018-05-16</a:t>
             </a:fld>
             <a:endParaRPr lang="en-CA"/>
           </a:p>
@@ -3153,7 +3154,7 @@
           <a:p>
             <a:fld id="{469BEBF2-5D07-4A36-8212-8257E00C6FD2}" type="datetimeFigureOut">
               <a:rPr lang="en-CA" smtClean="0"/>
-              <a:t>2018-05-04</a:t>
+              <a:t>2018-05-16</a:t>
             </a:fld>
             <a:endParaRPr lang="en-CA"/>
           </a:p>
@@ -3323,7 +3324,7 @@
           <a:p>
             <a:fld id="{469BEBF2-5D07-4A36-8212-8257E00C6FD2}" type="datetimeFigureOut">
               <a:rPr lang="en-CA" smtClean="0"/>
-              <a:t>2018-05-04</a:t>
+              <a:t>2018-05-16</a:t>
             </a:fld>
             <a:endParaRPr lang="en-CA"/>
           </a:p>
@@ -3503,7 +3504,7 @@
           <a:p>
             <a:fld id="{469BEBF2-5D07-4A36-8212-8257E00C6FD2}" type="datetimeFigureOut">
               <a:rPr lang="en-CA" smtClean="0"/>
-              <a:t>2018-05-04</a:t>
+              <a:t>2018-05-16</a:t>
             </a:fld>
             <a:endParaRPr lang="en-CA"/>
           </a:p>
@@ -3679,7 +3680,7 @@
           <a:p>
             <a:fld id="{469BEBF2-5D07-4A36-8212-8257E00C6FD2}" type="datetimeFigureOut">
               <a:rPr lang="en-CA" smtClean="0"/>
-              <a:t>2018-05-04</a:t>
+              <a:t>2018-05-16</a:t>
             </a:fld>
             <a:endParaRPr lang="en-CA"/>
           </a:p>
@@ -3926,7 +3927,7 @@
           <a:p>
             <a:fld id="{469BEBF2-5D07-4A36-8212-8257E00C6FD2}" type="datetimeFigureOut">
               <a:rPr lang="en-CA" smtClean="0"/>
-              <a:t>2018-05-04</a:t>
+              <a:t>2018-05-16</a:t>
             </a:fld>
             <a:endParaRPr lang="en-CA"/>
           </a:p>
@@ -4158,7 +4159,7 @@
           <a:p>
             <a:fld id="{469BEBF2-5D07-4A36-8212-8257E00C6FD2}" type="datetimeFigureOut">
               <a:rPr lang="en-CA" smtClean="0"/>
-              <a:t>2018-05-04</a:t>
+              <a:t>2018-05-16</a:t>
             </a:fld>
             <a:endParaRPr lang="en-CA"/>
           </a:p>
@@ -4532,7 +4533,7 @@
           <a:p>
             <a:fld id="{469BEBF2-5D07-4A36-8212-8257E00C6FD2}" type="datetimeFigureOut">
               <a:rPr lang="en-CA" smtClean="0"/>
-              <a:t>2018-05-04</a:t>
+              <a:t>2018-05-16</a:t>
             </a:fld>
             <a:endParaRPr lang="en-CA"/>
           </a:p>
@@ -4655,7 +4656,7 @@
           <a:p>
             <a:fld id="{469BEBF2-5D07-4A36-8212-8257E00C6FD2}" type="datetimeFigureOut">
               <a:rPr lang="en-CA" smtClean="0"/>
-              <a:t>2018-05-04</a:t>
+              <a:t>2018-05-16</a:t>
             </a:fld>
             <a:endParaRPr lang="en-CA"/>
           </a:p>
@@ -4750,7 +4751,7 @@
           <a:p>
             <a:fld id="{469BEBF2-5D07-4A36-8212-8257E00C6FD2}" type="datetimeFigureOut">
               <a:rPr lang="en-CA" smtClean="0"/>
-              <a:t>2018-05-04</a:t>
+              <a:t>2018-05-16</a:t>
             </a:fld>
             <a:endParaRPr lang="en-CA"/>
           </a:p>
@@ -5005,7 +5006,7 @@
           <a:p>
             <a:fld id="{469BEBF2-5D07-4A36-8212-8257E00C6FD2}" type="datetimeFigureOut">
               <a:rPr lang="en-CA" smtClean="0"/>
-              <a:t>2018-05-04</a:t>
+              <a:t>2018-05-16</a:t>
             </a:fld>
             <a:endParaRPr lang="en-CA"/>
           </a:p>
@@ -5268,7 +5269,7 @@
           <a:p>
             <a:fld id="{469BEBF2-5D07-4A36-8212-8257E00C6FD2}" type="datetimeFigureOut">
               <a:rPr lang="en-CA" smtClean="0"/>
-              <a:t>2018-05-04</a:t>
+              <a:t>2018-05-16</a:t>
             </a:fld>
             <a:endParaRPr lang="en-CA"/>
           </a:p>
@@ -6011,7 +6012,7 @@
           <a:p>
             <a:fld id="{469BEBF2-5D07-4A36-8212-8257E00C6FD2}" type="datetimeFigureOut">
               <a:rPr lang="en-CA" smtClean="0"/>
-              <a:t>2018-05-04</a:t>
+              <a:t>2018-05-16</a:t>
             </a:fld>
             <a:endParaRPr lang="en-CA"/>
           </a:p>
@@ -8008,6 +8009,14 @@
 <file path=ppt/slides/slide4.xml><?xml version="1.0" encoding="utf-8"?>
 <p:sld xmlns:a="http://schemas.openxmlformats.org/drawingml/2006/main" xmlns:r="http://schemas.openxmlformats.org/officeDocument/2006/relationships" xmlns:p="http://schemas.openxmlformats.org/presentationml/2006/main">
   <p:cSld>
+    <p:bg>
+      <p:bgPr>
+        <a:solidFill>
+          <a:schemeClr val="bg1"/>
+        </a:solidFill>
+        <a:effectLst/>
+      </p:bgPr>
+    </p:bg>
     <p:spTree>
       <p:nvGrpSpPr>
         <p:cNvPr id="1" name=""/>
@@ -8022,6 +8031,797 @@
           <a:chExt cx="0" cy="0"/>
         </a:xfrm>
       </p:grpSpPr>
+      <p:grpSp>
+        <p:nvGrpSpPr>
+          <p:cNvPr id="10" name="Group 9">
+            <a:extLst>
+              <a:ext uri="{FF2B5EF4-FFF2-40B4-BE49-F238E27FC236}">
+                <a16:creationId xmlns:a16="http://schemas.microsoft.com/office/drawing/2014/main" id="{B4DE830A-B531-4A3B-96F6-0ECE88B08555}"/>
+              </a:ext>
+              <a:ext uri="{C183D7F6-B498-43B3-948B-1728B52AA6E4}">
+                <adec:decorative xmlns:adec="http://schemas.microsoft.com/office/drawing/2017/decorative" val="1"/>
+              </a:ext>
+            </a:extLst>
+          </p:cNvPr>
+          <p:cNvGrpSpPr>
+            <a:grpSpLocks noGrp="1" noUngrp="1" noRot="1" noChangeAspect="1" noMove="1" noResize="1"/>
+          </p:cNvGrpSpPr>
+          <p:nvPr>
+            <p:extLst>
+              <p:ext uri="{386F3935-93C4-4BCD-93E2-E3B085C9AB24}">
+                <p16:designElem xmlns:p16="http://schemas.microsoft.com/office/powerpoint/2015/main" val="1"/>
+              </p:ext>
+            </p:extLst>
+          </p:nvPr>
+        </p:nvGrpSpPr>
+        <p:grpSpPr>
+          <a:xfrm>
+            <a:off x="0" y="-8467"/>
+            <a:ext cx="12192000" cy="6866467"/>
+            <a:chOff x="0" y="-8467"/>
+            <a:chExt cx="12192000" cy="6866467"/>
+          </a:xfrm>
+        </p:grpSpPr>
+        <p:cxnSp>
+          <p:nvCxnSpPr>
+            <p:cNvPr id="11" name="Straight Connector 10">
+              <a:extLst>
+                <a:ext uri="{FF2B5EF4-FFF2-40B4-BE49-F238E27FC236}">
+                  <a16:creationId xmlns:a16="http://schemas.microsoft.com/office/drawing/2014/main" id="{2813DF2C-461A-4A8F-9679-A172790D1F3A}"/>
+                </a:ext>
+                <a:ext uri="{C183D7F6-B498-43B3-948B-1728B52AA6E4}">
+                  <adec:decorative xmlns:adec="http://schemas.microsoft.com/office/drawing/2017/decorative" val="1"/>
+                </a:ext>
+              </a:extLst>
+            </p:cNvPr>
+            <p:cNvCxnSpPr/>
+            <p:nvPr>
+              <p:extLst>
+                <p:ext uri="{386F3935-93C4-4BCD-93E2-E3B085C9AB24}">
+                  <p16:designElem xmlns:p16="http://schemas.microsoft.com/office/powerpoint/2015/main" val="1"/>
+                </p:ext>
+              </p:extLst>
+            </p:nvPr>
+          </p:nvCxnSpPr>
+          <p:spPr>
+            <a:xfrm>
+              <a:off x="9371012" y="0"/>
+              <a:ext cx="1219200" cy="6858000"/>
+            </a:xfrm>
+            <a:prstGeom prst="line">
+              <a:avLst/>
+            </a:prstGeom>
+            <a:ln w="9525">
+              <a:solidFill>
+                <a:schemeClr val="bg1">
+                  <a:lumMod val="75000"/>
+                </a:schemeClr>
+              </a:solidFill>
+            </a:ln>
+          </p:spPr>
+          <p:style>
+            <a:lnRef idx="2">
+              <a:schemeClr val="accent1"/>
+            </a:lnRef>
+            <a:fillRef idx="0">
+              <a:schemeClr val="accent1"/>
+            </a:fillRef>
+            <a:effectRef idx="1">
+              <a:schemeClr val="accent1"/>
+            </a:effectRef>
+            <a:fontRef idx="minor">
+              <a:schemeClr val="tx1"/>
+            </a:fontRef>
+          </p:style>
+        </p:cxnSp>
+        <p:cxnSp>
+          <p:nvCxnSpPr>
+            <p:cNvPr id="12" name="Straight Connector 11">
+              <a:extLst>
+                <a:ext uri="{FF2B5EF4-FFF2-40B4-BE49-F238E27FC236}">
+                  <a16:creationId xmlns:a16="http://schemas.microsoft.com/office/drawing/2014/main" id="{54CD3A85-C039-4249-86E4-1EB9318B5495}"/>
+                </a:ext>
+                <a:ext uri="{C183D7F6-B498-43B3-948B-1728B52AA6E4}">
+                  <adec:decorative xmlns:adec="http://schemas.microsoft.com/office/drawing/2017/decorative" val="1"/>
+                </a:ext>
+              </a:extLst>
+            </p:cNvPr>
+            <p:cNvCxnSpPr/>
+            <p:nvPr>
+              <p:extLst>
+                <p:ext uri="{386F3935-93C4-4BCD-93E2-E3B085C9AB24}">
+                  <p16:designElem xmlns:p16="http://schemas.microsoft.com/office/powerpoint/2015/main" val="1"/>
+                </p:ext>
+              </p:extLst>
+            </p:nvPr>
+          </p:nvCxnSpPr>
+          <p:spPr>
+            <a:xfrm flipH="1">
+              <a:off x="7425267" y="3681413"/>
+              <a:ext cx="4763558" cy="3176587"/>
+            </a:xfrm>
+            <a:prstGeom prst="line">
+              <a:avLst/>
+            </a:prstGeom>
+            <a:ln w="9525">
+              <a:solidFill>
+                <a:schemeClr val="bg1">
+                  <a:lumMod val="85000"/>
+                </a:schemeClr>
+              </a:solidFill>
+            </a:ln>
+          </p:spPr>
+          <p:style>
+            <a:lnRef idx="2">
+              <a:schemeClr val="accent1"/>
+            </a:lnRef>
+            <a:fillRef idx="0">
+              <a:schemeClr val="accent1"/>
+            </a:fillRef>
+            <a:effectRef idx="1">
+              <a:schemeClr val="accent1"/>
+            </a:effectRef>
+            <a:fontRef idx="minor">
+              <a:schemeClr val="tx1"/>
+            </a:fontRef>
+          </p:style>
+        </p:cxnSp>
+        <p:sp>
+          <p:nvSpPr>
+            <p:cNvPr id="13" name="Rectangle 23">
+              <a:extLst>
+                <a:ext uri="{FF2B5EF4-FFF2-40B4-BE49-F238E27FC236}">
+                  <a16:creationId xmlns:a16="http://schemas.microsoft.com/office/drawing/2014/main" id="{887EA6D2-2883-42C2-993D-094CA6D65DA3}"/>
+                </a:ext>
+                <a:ext uri="{C183D7F6-B498-43B3-948B-1728B52AA6E4}">
+                  <adec:decorative xmlns:adec="http://schemas.microsoft.com/office/drawing/2017/decorative" val="1"/>
+                </a:ext>
+              </a:extLst>
+            </p:cNvPr>
+            <p:cNvSpPr/>
+            <p:nvPr>
+              <p:extLst>
+                <p:ext uri="{386F3935-93C4-4BCD-93E2-E3B085C9AB24}">
+                  <p16:designElem xmlns:p16="http://schemas.microsoft.com/office/powerpoint/2015/main" val="1"/>
+                </p:ext>
+              </p:extLst>
+            </p:nvPr>
+          </p:nvSpPr>
+          <p:spPr>
+            <a:xfrm>
+              <a:off x="9181476" y="-8467"/>
+              <a:ext cx="3007349" cy="6866467"/>
+            </a:xfrm>
+            <a:custGeom>
+              <a:avLst/>
+              <a:gdLst/>
+              <a:ahLst/>
+              <a:cxnLst/>
+              <a:rect l="l" t="t" r="r" b="b"/>
+              <a:pathLst>
+                <a:path w="3007349" h="6866467">
+                  <a:moveTo>
+                    <a:pt x="2045532" y="0"/>
+                  </a:moveTo>
+                  <a:lnTo>
+                    <a:pt x="3007349" y="0"/>
+                  </a:lnTo>
+                  <a:lnTo>
+                    <a:pt x="3007349" y="6866467"/>
+                  </a:lnTo>
+                  <a:lnTo>
+                    <a:pt x="0" y="6866467"/>
+                  </a:lnTo>
+                  <a:lnTo>
+                    <a:pt x="2045532" y="0"/>
+                  </a:lnTo>
+                  <a:close/>
+                </a:path>
+              </a:pathLst>
+            </a:custGeom>
+            <a:solidFill>
+              <a:schemeClr val="accent1">
+                <a:alpha val="30000"/>
+              </a:schemeClr>
+            </a:solidFill>
+            <a:ln>
+              <a:noFill/>
+            </a:ln>
+            <a:effectLst/>
+          </p:spPr>
+          <p:style>
+            <a:lnRef idx="1">
+              <a:schemeClr val="accent1"/>
+            </a:lnRef>
+            <a:fillRef idx="3">
+              <a:schemeClr val="accent1"/>
+            </a:fillRef>
+            <a:effectRef idx="2">
+              <a:schemeClr val="accent1"/>
+            </a:effectRef>
+            <a:fontRef idx="minor">
+              <a:schemeClr val="lt1"/>
+            </a:fontRef>
+          </p:style>
+        </p:sp>
+        <p:sp>
+          <p:nvSpPr>
+            <p:cNvPr id="14" name="Rectangle 25">
+              <a:extLst>
+                <a:ext uri="{FF2B5EF4-FFF2-40B4-BE49-F238E27FC236}">
+                  <a16:creationId xmlns:a16="http://schemas.microsoft.com/office/drawing/2014/main" id="{3B895046-636F-4D1B-ACA4-29AA0CB3329F}"/>
+                </a:ext>
+                <a:ext uri="{C183D7F6-B498-43B3-948B-1728B52AA6E4}">
+                  <adec:decorative xmlns:adec="http://schemas.microsoft.com/office/drawing/2017/decorative" val="1"/>
+                </a:ext>
+              </a:extLst>
+            </p:cNvPr>
+            <p:cNvSpPr/>
+            <p:nvPr>
+              <p:extLst>
+                <p:ext uri="{386F3935-93C4-4BCD-93E2-E3B085C9AB24}">
+                  <p16:designElem xmlns:p16="http://schemas.microsoft.com/office/powerpoint/2015/main" val="1"/>
+                </p:ext>
+              </p:extLst>
+            </p:nvPr>
+          </p:nvSpPr>
+          <p:spPr>
+            <a:xfrm>
+              <a:off x="9603442" y="-8467"/>
+              <a:ext cx="2588558" cy="6866467"/>
+            </a:xfrm>
+            <a:custGeom>
+              <a:avLst/>
+              <a:gdLst/>
+              <a:ahLst/>
+              <a:cxnLst/>
+              <a:rect l="l" t="t" r="r" b="b"/>
+              <a:pathLst>
+                <a:path w="2573311" h="6866467">
+                  <a:moveTo>
+                    <a:pt x="0" y="0"/>
+                  </a:moveTo>
+                  <a:lnTo>
+                    <a:pt x="2573311" y="0"/>
+                  </a:lnTo>
+                  <a:lnTo>
+                    <a:pt x="2573311" y="6866467"/>
+                  </a:lnTo>
+                  <a:lnTo>
+                    <a:pt x="1202336" y="6866467"/>
+                  </a:lnTo>
+                  <a:lnTo>
+                    <a:pt x="0" y="0"/>
+                  </a:lnTo>
+                  <a:close/>
+                </a:path>
+              </a:pathLst>
+            </a:custGeom>
+            <a:solidFill>
+              <a:schemeClr val="accent1">
+                <a:alpha val="20000"/>
+              </a:schemeClr>
+            </a:solidFill>
+            <a:ln>
+              <a:noFill/>
+            </a:ln>
+            <a:effectLst/>
+          </p:spPr>
+          <p:style>
+            <a:lnRef idx="1">
+              <a:schemeClr val="accent1"/>
+            </a:lnRef>
+            <a:fillRef idx="3">
+              <a:schemeClr val="accent1"/>
+            </a:fillRef>
+            <a:effectRef idx="2">
+              <a:schemeClr val="accent1"/>
+            </a:effectRef>
+            <a:fontRef idx="minor">
+              <a:schemeClr val="lt1"/>
+            </a:fontRef>
+          </p:style>
+        </p:sp>
+        <p:sp>
+          <p:nvSpPr>
+            <p:cNvPr id="15" name="Isosceles Triangle 14">
+              <a:extLst>
+                <a:ext uri="{FF2B5EF4-FFF2-40B4-BE49-F238E27FC236}">
+                  <a16:creationId xmlns:a16="http://schemas.microsoft.com/office/drawing/2014/main" id="{C6B0CDE3-E054-4EDD-A43B-F96843D8BF51}"/>
+                </a:ext>
+                <a:ext uri="{C183D7F6-B498-43B3-948B-1728B52AA6E4}">
+                  <adec:decorative xmlns:adec="http://schemas.microsoft.com/office/drawing/2017/decorative" val="1"/>
+                </a:ext>
+              </a:extLst>
+            </p:cNvPr>
+            <p:cNvSpPr/>
+            <p:nvPr>
+              <p:extLst>
+                <p:ext uri="{386F3935-93C4-4BCD-93E2-E3B085C9AB24}">
+                  <p16:designElem xmlns:p16="http://schemas.microsoft.com/office/powerpoint/2015/main" val="1"/>
+                </p:ext>
+              </p:extLst>
+            </p:nvPr>
+          </p:nvSpPr>
+          <p:spPr>
+            <a:xfrm>
+              <a:off x="8932333" y="3048000"/>
+              <a:ext cx="3259667" cy="3810000"/>
+            </a:xfrm>
+            <a:prstGeom prst="triangle">
+              <a:avLst>
+                <a:gd name="adj" fmla="val 100000"/>
+              </a:avLst>
+            </a:prstGeom>
+            <a:solidFill>
+              <a:schemeClr val="accent2">
+                <a:alpha val="72000"/>
+              </a:schemeClr>
+            </a:solidFill>
+            <a:ln>
+              <a:noFill/>
+            </a:ln>
+            <a:effectLst/>
+          </p:spPr>
+          <p:style>
+            <a:lnRef idx="1">
+              <a:schemeClr val="accent1"/>
+            </a:lnRef>
+            <a:fillRef idx="3">
+              <a:schemeClr val="accent1"/>
+            </a:fillRef>
+            <a:effectRef idx="2">
+              <a:schemeClr val="accent1"/>
+            </a:effectRef>
+            <a:fontRef idx="minor">
+              <a:schemeClr val="lt1"/>
+            </a:fontRef>
+          </p:style>
+        </p:sp>
+        <p:sp>
+          <p:nvSpPr>
+            <p:cNvPr id="16" name="Rectangle 27">
+              <a:extLst>
+                <a:ext uri="{FF2B5EF4-FFF2-40B4-BE49-F238E27FC236}">
+                  <a16:creationId xmlns:a16="http://schemas.microsoft.com/office/drawing/2014/main" id="{3B66B1A2-F145-4C9B-85CC-4BF30D58CBC5}"/>
+                </a:ext>
+                <a:ext uri="{C183D7F6-B498-43B3-948B-1728B52AA6E4}">
+                  <adec:decorative xmlns:adec="http://schemas.microsoft.com/office/drawing/2017/decorative" val="1"/>
+                </a:ext>
+              </a:extLst>
+            </p:cNvPr>
+            <p:cNvSpPr/>
+            <p:nvPr>
+              <p:extLst>
+                <p:ext uri="{386F3935-93C4-4BCD-93E2-E3B085C9AB24}">
+                  <p16:designElem xmlns:p16="http://schemas.microsoft.com/office/powerpoint/2015/main" val="1"/>
+                </p:ext>
+              </p:extLst>
+            </p:nvPr>
+          </p:nvSpPr>
+          <p:spPr>
+            <a:xfrm>
+              <a:off x="9334500" y="-8467"/>
+              <a:ext cx="2854326" cy="6866467"/>
+            </a:xfrm>
+            <a:custGeom>
+              <a:avLst/>
+              <a:gdLst/>
+              <a:ahLst/>
+              <a:cxnLst/>
+              <a:rect l="l" t="t" r="r" b="b"/>
+              <a:pathLst>
+                <a:path w="2858013" h="6866467">
+                  <a:moveTo>
+                    <a:pt x="0" y="0"/>
+                  </a:moveTo>
+                  <a:lnTo>
+                    <a:pt x="2858013" y="0"/>
+                  </a:lnTo>
+                  <a:lnTo>
+                    <a:pt x="2858013" y="6866467"/>
+                  </a:lnTo>
+                  <a:lnTo>
+                    <a:pt x="2473942" y="6866467"/>
+                  </a:lnTo>
+                  <a:lnTo>
+                    <a:pt x="0" y="0"/>
+                  </a:lnTo>
+                  <a:close/>
+                </a:path>
+              </a:pathLst>
+            </a:custGeom>
+            <a:solidFill>
+              <a:schemeClr val="accent2">
+                <a:lumMod val="75000"/>
+                <a:alpha val="70000"/>
+              </a:schemeClr>
+            </a:solidFill>
+            <a:ln>
+              <a:noFill/>
+            </a:ln>
+            <a:effectLst/>
+          </p:spPr>
+          <p:style>
+            <a:lnRef idx="1">
+              <a:schemeClr val="accent1"/>
+            </a:lnRef>
+            <a:fillRef idx="3">
+              <a:schemeClr val="accent1"/>
+            </a:fillRef>
+            <a:effectRef idx="2">
+              <a:schemeClr val="accent1"/>
+            </a:effectRef>
+            <a:fontRef idx="minor">
+              <a:schemeClr val="lt1"/>
+            </a:fontRef>
+          </p:style>
+        </p:sp>
+        <p:sp>
+          <p:nvSpPr>
+            <p:cNvPr id="17" name="Rectangle 28">
+              <a:extLst>
+                <a:ext uri="{FF2B5EF4-FFF2-40B4-BE49-F238E27FC236}">
+                  <a16:creationId xmlns:a16="http://schemas.microsoft.com/office/drawing/2014/main" id="{5D4FC972-94B3-4035-8D31-E668C132B411}"/>
+                </a:ext>
+                <a:ext uri="{C183D7F6-B498-43B3-948B-1728B52AA6E4}">
+                  <adec:decorative xmlns:adec="http://schemas.microsoft.com/office/drawing/2017/decorative" val="1"/>
+                </a:ext>
+              </a:extLst>
+            </p:cNvPr>
+            <p:cNvSpPr/>
+            <p:nvPr>
+              <p:extLst>
+                <p:ext uri="{386F3935-93C4-4BCD-93E2-E3B085C9AB24}">
+                  <p16:designElem xmlns:p16="http://schemas.microsoft.com/office/powerpoint/2015/main" val="1"/>
+                </p:ext>
+              </p:extLst>
+            </p:nvPr>
+          </p:nvSpPr>
+          <p:spPr>
+            <a:xfrm>
+              <a:off x="10898730" y="-8467"/>
+              <a:ext cx="1290094" cy="6866467"/>
+            </a:xfrm>
+            <a:custGeom>
+              <a:avLst/>
+              <a:gdLst/>
+              <a:ahLst/>
+              <a:cxnLst/>
+              <a:rect l="l" t="t" r="r" b="b"/>
+              <a:pathLst>
+                <a:path w="1290094" h="6858000">
+                  <a:moveTo>
+                    <a:pt x="1019735" y="0"/>
+                  </a:moveTo>
+                  <a:lnTo>
+                    <a:pt x="1290094" y="0"/>
+                  </a:lnTo>
+                  <a:lnTo>
+                    <a:pt x="1290094" y="6858000"/>
+                  </a:lnTo>
+                  <a:lnTo>
+                    <a:pt x="0" y="6858000"/>
+                  </a:lnTo>
+                  <a:lnTo>
+                    <a:pt x="1019735" y="0"/>
+                  </a:lnTo>
+                  <a:close/>
+                </a:path>
+              </a:pathLst>
+            </a:custGeom>
+            <a:solidFill>
+              <a:schemeClr val="accent1">
+                <a:lumMod val="60000"/>
+                <a:lumOff val="40000"/>
+                <a:alpha val="70000"/>
+              </a:schemeClr>
+            </a:solidFill>
+            <a:ln>
+              <a:noFill/>
+            </a:ln>
+            <a:effectLst/>
+          </p:spPr>
+          <p:style>
+            <a:lnRef idx="1">
+              <a:schemeClr val="accent1"/>
+            </a:lnRef>
+            <a:fillRef idx="3">
+              <a:schemeClr val="accent1"/>
+            </a:fillRef>
+            <a:effectRef idx="2">
+              <a:schemeClr val="accent1"/>
+            </a:effectRef>
+            <a:fontRef idx="minor">
+              <a:schemeClr val="lt1"/>
+            </a:fontRef>
+          </p:style>
+        </p:sp>
+        <p:sp>
+          <p:nvSpPr>
+            <p:cNvPr id="18" name="Rectangle 29">
+              <a:extLst>
+                <a:ext uri="{FF2B5EF4-FFF2-40B4-BE49-F238E27FC236}">
+                  <a16:creationId xmlns:a16="http://schemas.microsoft.com/office/drawing/2014/main" id="{374B9941-AFBE-4A77-A50E-B6EA04A746AE}"/>
+                </a:ext>
+                <a:ext uri="{C183D7F6-B498-43B3-948B-1728B52AA6E4}">
+                  <adec:decorative xmlns:adec="http://schemas.microsoft.com/office/drawing/2017/decorative" val="1"/>
+                </a:ext>
+              </a:extLst>
+            </p:cNvPr>
+            <p:cNvSpPr/>
+            <p:nvPr>
+              <p:extLst>
+                <p:ext uri="{386F3935-93C4-4BCD-93E2-E3B085C9AB24}">
+                  <p16:designElem xmlns:p16="http://schemas.microsoft.com/office/powerpoint/2015/main" val="1"/>
+                </p:ext>
+              </p:extLst>
+            </p:nvPr>
+          </p:nvSpPr>
+          <p:spPr>
+            <a:xfrm>
+              <a:off x="10938999" y="-8467"/>
+              <a:ext cx="1249825" cy="6866467"/>
+            </a:xfrm>
+            <a:custGeom>
+              <a:avLst/>
+              <a:gdLst/>
+              <a:ahLst/>
+              <a:cxnLst/>
+              <a:rect l="l" t="t" r="r" b="b"/>
+              <a:pathLst>
+                <a:path w="1249825" h="6858000">
+                  <a:moveTo>
+                    <a:pt x="0" y="0"/>
+                  </a:moveTo>
+                  <a:lnTo>
+                    <a:pt x="1249825" y="0"/>
+                  </a:lnTo>
+                  <a:lnTo>
+                    <a:pt x="1249825" y="6858000"/>
+                  </a:lnTo>
+                  <a:lnTo>
+                    <a:pt x="1109382" y="6858000"/>
+                  </a:lnTo>
+                  <a:lnTo>
+                    <a:pt x="0" y="0"/>
+                  </a:lnTo>
+                  <a:close/>
+                </a:path>
+              </a:pathLst>
+            </a:custGeom>
+            <a:solidFill>
+              <a:schemeClr val="accent1">
+                <a:alpha val="65000"/>
+              </a:schemeClr>
+            </a:solidFill>
+            <a:ln>
+              <a:noFill/>
+            </a:ln>
+            <a:effectLst/>
+          </p:spPr>
+          <p:style>
+            <a:lnRef idx="1">
+              <a:schemeClr val="accent1"/>
+            </a:lnRef>
+            <a:fillRef idx="3">
+              <a:schemeClr val="accent1"/>
+            </a:fillRef>
+            <a:effectRef idx="2">
+              <a:schemeClr val="accent1"/>
+            </a:effectRef>
+            <a:fontRef idx="minor">
+              <a:schemeClr val="lt1"/>
+            </a:fontRef>
+          </p:style>
+        </p:sp>
+        <p:sp>
+          <p:nvSpPr>
+            <p:cNvPr id="19" name="Isosceles Triangle 18">
+              <a:extLst>
+                <a:ext uri="{FF2B5EF4-FFF2-40B4-BE49-F238E27FC236}">
+                  <a16:creationId xmlns:a16="http://schemas.microsoft.com/office/drawing/2014/main" id="{27A982C5-2C38-4CE9-BC18-94697AD657FB}"/>
+                </a:ext>
+                <a:ext uri="{C183D7F6-B498-43B3-948B-1728B52AA6E4}">
+                  <adec:decorative xmlns:adec="http://schemas.microsoft.com/office/drawing/2017/decorative" val="1"/>
+                </a:ext>
+              </a:extLst>
+            </p:cNvPr>
+            <p:cNvSpPr/>
+            <p:nvPr>
+              <p:extLst>
+                <p:ext uri="{386F3935-93C4-4BCD-93E2-E3B085C9AB24}">
+                  <p16:designElem xmlns:p16="http://schemas.microsoft.com/office/powerpoint/2015/main" val="1"/>
+                </p:ext>
+              </p:extLst>
+            </p:nvPr>
+          </p:nvSpPr>
+          <p:spPr>
+            <a:xfrm>
+              <a:off x="10371666" y="3589867"/>
+              <a:ext cx="1817159" cy="3268133"/>
+            </a:xfrm>
+            <a:prstGeom prst="triangle">
+              <a:avLst>
+                <a:gd name="adj" fmla="val 100000"/>
+              </a:avLst>
+            </a:prstGeom>
+            <a:solidFill>
+              <a:schemeClr val="accent1">
+                <a:alpha val="80000"/>
+              </a:schemeClr>
+            </a:solidFill>
+            <a:ln>
+              <a:noFill/>
+            </a:ln>
+            <a:effectLst/>
+          </p:spPr>
+          <p:style>
+            <a:lnRef idx="1">
+              <a:schemeClr val="accent1"/>
+            </a:lnRef>
+            <a:fillRef idx="3">
+              <a:schemeClr val="accent1"/>
+            </a:fillRef>
+            <a:effectRef idx="2">
+              <a:schemeClr val="accent1"/>
+            </a:effectRef>
+            <a:fontRef idx="minor">
+              <a:schemeClr val="lt1"/>
+            </a:fontRef>
+          </p:style>
+        </p:sp>
+        <p:sp>
+          <p:nvSpPr>
+            <p:cNvPr id="20" name="Isosceles Triangle 19">
+              <a:extLst>
+                <a:ext uri="{FF2B5EF4-FFF2-40B4-BE49-F238E27FC236}">
+                  <a16:creationId xmlns:a16="http://schemas.microsoft.com/office/drawing/2014/main" id="{0060D8D1-7BB1-498F-AFBB-ADAC130A9E90}"/>
+                </a:ext>
+                <a:ext uri="{C183D7F6-B498-43B3-948B-1728B52AA6E4}">
+                  <adec:decorative xmlns:adec="http://schemas.microsoft.com/office/drawing/2017/decorative" val="1"/>
+                </a:ext>
+              </a:extLst>
+            </p:cNvPr>
+            <p:cNvSpPr/>
+            <p:nvPr>
+              <p:extLst>
+                <p:ext uri="{386F3935-93C4-4BCD-93E2-E3B085C9AB24}">
+                  <p16:designElem xmlns:p16="http://schemas.microsoft.com/office/powerpoint/2015/main" val="1"/>
+                </p:ext>
+              </p:extLst>
+            </p:nvPr>
+          </p:nvSpPr>
+          <p:spPr>
+            <a:xfrm rot="10800000">
+              <a:off x="0" y="0"/>
+              <a:ext cx="842596" cy="5666154"/>
+            </a:xfrm>
+            <a:prstGeom prst="triangle">
+              <a:avLst>
+                <a:gd name="adj" fmla="val 100000"/>
+              </a:avLst>
+            </a:prstGeom>
+            <a:solidFill>
+              <a:schemeClr val="accent1">
+                <a:alpha val="85000"/>
+              </a:schemeClr>
+            </a:solidFill>
+            <a:ln>
+              <a:noFill/>
+            </a:ln>
+            <a:effectLst/>
+          </p:spPr>
+          <p:style>
+            <a:lnRef idx="1">
+              <a:schemeClr val="accent1"/>
+            </a:lnRef>
+            <a:fillRef idx="3">
+              <a:schemeClr val="accent1"/>
+            </a:fillRef>
+            <a:effectRef idx="2">
+              <a:schemeClr val="accent1"/>
+            </a:effectRef>
+            <a:fontRef idx="minor">
+              <a:schemeClr val="lt1"/>
+            </a:fontRef>
+          </p:style>
+        </p:sp>
+      </p:grpSp>
+      <p:sp>
+        <p:nvSpPr>
+          <p:cNvPr id="22" name="Isosceles Triangle 21">
+            <a:extLst>
+              <a:ext uri="{FF2B5EF4-FFF2-40B4-BE49-F238E27FC236}">
+                <a16:creationId xmlns:a16="http://schemas.microsoft.com/office/drawing/2014/main" id="{AA330523-F25B-4007-B3E5-ABB5637D160A}"/>
+              </a:ext>
+              <a:ext uri="{C183D7F6-B498-43B3-948B-1728B52AA6E4}">
+                <adec:decorative xmlns:adec="http://schemas.microsoft.com/office/drawing/2017/decorative" val="1"/>
+              </a:ext>
+            </a:extLst>
+          </p:cNvPr>
+          <p:cNvSpPr>
+            <a:spLocks noGrp="1" noRot="1" noChangeAspect="1" noMove="1" noResize="1" noEditPoints="1" noAdjustHandles="1" noChangeArrowheads="1" noChangeShapeType="1" noTextEdit="1"/>
+          </p:cNvSpPr>
+          <p:nvPr>
+            <p:extLst>
+              <p:ext uri="{386F3935-93C4-4BCD-93E2-E3B085C9AB24}">
+                <p16:designElem xmlns:p16="http://schemas.microsoft.com/office/powerpoint/2015/main" val="1"/>
+              </p:ext>
+            </p:extLst>
+          </p:nvPr>
+        </p:nvSpPr>
+        <p:spPr>
+          <a:xfrm rot="10800000">
+            <a:off x="3174" y="12700"/>
+            <a:ext cx="842596" cy="5666154"/>
+          </a:xfrm>
+          <a:prstGeom prst="triangle">
+            <a:avLst>
+              <a:gd name="adj" fmla="val 100000"/>
+            </a:avLst>
+          </a:prstGeom>
+          <a:solidFill>
+            <a:schemeClr val="accent1">
+              <a:alpha val="85000"/>
+            </a:schemeClr>
+          </a:solidFill>
+          <a:ln>
+            <a:noFill/>
+          </a:ln>
+          <a:effectLst/>
+        </p:spPr>
+        <p:style>
+          <a:lnRef idx="1">
+            <a:schemeClr val="accent1"/>
+          </a:lnRef>
+          <a:fillRef idx="3">
+            <a:schemeClr val="accent1"/>
+          </a:fillRef>
+          <a:effectRef idx="2">
+            <a:schemeClr val="accent1"/>
+          </a:effectRef>
+          <a:fontRef idx="minor">
+            <a:schemeClr val="lt1"/>
+          </a:fontRef>
+        </p:style>
+      </p:sp>
+      <p:pic>
+        <p:nvPicPr>
+          <p:cNvPr id="5" name="Picture 4" descr="A screen shot of a computer&#10;&#10;Description generated with high confidence">
+            <a:extLst>
+              <a:ext uri="{FF2B5EF4-FFF2-40B4-BE49-F238E27FC236}">
+                <a16:creationId xmlns:a16="http://schemas.microsoft.com/office/drawing/2014/main" id="{B2BBD2D1-036B-4031-8536-056D08E7554C}"/>
+              </a:ext>
+            </a:extLst>
+          </p:cNvPr>
+          <p:cNvPicPr>
+            <a:picLocks noChangeAspect="1"/>
+          </p:cNvPicPr>
+          <p:nvPr/>
+        </p:nvPicPr>
+        <p:blipFill>
+          <a:blip r:embed="rId2">
+            <a:extLst>
+              <a:ext uri="{28A0092B-C50C-407E-A947-70E740481C1C}">
+                <a14:useLocalDpi xmlns:a14="http://schemas.microsoft.com/office/drawing/2010/main" val="0"/>
+              </a:ext>
+            </a:extLst>
+          </a:blip>
+          <a:stretch>
+            <a:fillRect/>
+          </a:stretch>
+        </p:blipFill>
+        <p:spPr>
+          <a:xfrm>
+            <a:off x="1440617" y="1261330"/>
+            <a:ext cx="4335340" cy="4335340"/>
+          </a:xfrm>
+          <a:prstGeom prst="rect">
+            <a:avLst/>
+          </a:prstGeom>
+        </p:spPr>
+      </p:pic>
       <p:sp>
         <p:nvSpPr>
           <p:cNvPr id="2" name="Title 1">
@@ -8038,37 +8838,29 @@
             <p:ph type="title"/>
           </p:nvPr>
         </p:nvSpPr>
-        <p:spPr/>
-        <p:txBody>
-          <a:bodyPr/>
+        <p:spPr>
+          <a:xfrm>
+            <a:off x="6094855" y="1261331"/>
+            <a:ext cx="3497565" cy="3002662"/>
+          </a:xfrm>
+        </p:spPr>
+        <p:txBody>
+          <a:bodyPr vert="horz" lIns="91440" tIns="45720" rIns="91440" bIns="45720" rtlCol="0" anchor="b">
+            <a:normAutofit/>
+          </a:bodyPr>
           <a:lstStyle/>
           <a:p>
-            <a:endParaRPr lang="en-US"/>
-          </a:p>
-        </p:txBody>
-      </p:sp>
-      <p:sp>
-        <p:nvSpPr>
-          <p:cNvPr id="3" name="Content Placeholder 2">
-            <a:extLst>
-              <a:ext uri="{FF2B5EF4-FFF2-40B4-BE49-F238E27FC236}">
-                <a16:creationId xmlns:a16="http://schemas.microsoft.com/office/drawing/2014/main" id="{3F0039B7-9AE5-4B87-8972-72BF63BB93E0}"/>
-              </a:ext>
-            </a:extLst>
-          </p:cNvPr>
-          <p:cNvSpPr>
-            <a:spLocks noGrp="1"/>
-          </p:cNvSpPr>
-          <p:nvPr>
-            <p:ph idx="1"/>
-          </p:nvPr>
-        </p:nvSpPr>
-        <p:spPr/>
-        <p:txBody>
-          <a:bodyPr/>
-          <a:lstStyle/>
-          <a:p>
-            <a:endParaRPr lang="en-US"/>
+            <a:r>
+              <a:rPr lang="en-US" sz="4400" kern="1200">
+                <a:solidFill>
+                  <a:schemeClr val="accent1"/>
+                </a:solidFill>
+                <a:latin typeface="+mj-lt"/>
+                <a:ea typeface="+mj-ea"/>
+                <a:cs typeface="+mj-cs"/>
+              </a:rPr>
+              <a:t>How does it raise awareness?</a:t>
+            </a:r>
           </a:p>
         </p:txBody>
       </p:sp>
@@ -8102,60 +8894,10 @@
           <a:chExt cx="0" cy="0"/>
         </a:xfrm>
       </p:grpSpPr>
-      <p:sp>
-        <p:nvSpPr>
-          <p:cNvPr id="2" name="Title 1">
-            <a:extLst>
-              <a:ext uri="{FF2B5EF4-FFF2-40B4-BE49-F238E27FC236}">
-                <a16:creationId xmlns:a16="http://schemas.microsoft.com/office/drawing/2014/main" id="{6AB3B6F7-3F83-4035-B864-4B5A946D4C14}"/>
-              </a:ext>
-            </a:extLst>
-          </p:cNvPr>
-          <p:cNvSpPr>
-            <a:spLocks noGrp="1"/>
-          </p:cNvSpPr>
-          <p:nvPr>
-            <p:ph type="title"/>
-          </p:nvPr>
-        </p:nvSpPr>
-        <p:spPr/>
-        <p:txBody>
-          <a:bodyPr/>
-          <a:lstStyle/>
-          <a:p>
-            <a:endParaRPr lang="en-US"/>
-          </a:p>
-        </p:txBody>
-      </p:sp>
-      <p:sp>
-        <p:nvSpPr>
-          <p:cNvPr id="3" name="Content Placeholder 2">
-            <a:extLst>
-              <a:ext uri="{FF2B5EF4-FFF2-40B4-BE49-F238E27FC236}">
-                <a16:creationId xmlns:a16="http://schemas.microsoft.com/office/drawing/2014/main" id="{20653618-384C-456B-B6A2-0EE3313ED544}"/>
-              </a:ext>
-            </a:extLst>
-          </p:cNvPr>
-          <p:cNvSpPr>
-            <a:spLocks noGrp="1"/>
-          </p:cNvSpPr>
-          <p:nvPr>
-            <p:ph idx="1"/>
-          </p:nvPr>
-        </p:nvSpPr>
-        <p:spPr/>
-        <p:txBody>
-          <a:bodyPr/>
-          <a:lstStyle/>
-          <a:p>
-            <a:endParaRPr lang="en-US"/>
-          </a:p>
-        </p:txBody>
-      </p:sp>
     </p:spTree>
     <p:extLst>
       <p:ext uri="{BB962C8B-B14F-4D97-AF65-F5344CB8AC3E}">
-        <p14:creationId xmlns:p14="http://schemas.microsoft.com/office/powerpoint/2010/main" val="2393242659"/>
+        <p14:creationId xmlns:p14="http://schemas.microsoft.com/office/powerpoint/2010/main" val="2624671112"/>
       </p:ext>
     </p:extLst>
   </p:cSld>
@@ -8182,56 +8924,107 @@
           <a:chExt cx="0" cy="0"/>
         </a:xfrm>
       </p:grpSpPr>
-      <p:sp>
-        <p:nvSpPr>
-          <p:cNvPr id="2" name="Title 1">
+      <p:pic>
+        <p:nvPicPr>
+          <p:cNvPr id="5" name="Picture 4">
             <a:extLst>
               <a:ext uri="{FF2B5EF4-FFF2-40B4-BE49-F238E27FC236}">
-                <a16:creationId xmlns:a16="http://schemas.microsoft.com/office/drawing/2014/main" id="{D38E3337-9610-4692-9592-3E60F6B65044}"/>
+                <a16:creationId xmlns:a16="http://schemas.microsoft.com/office/drawing/2014/main" id="{577CAA87-D433-43A6-AC49-653B166999C1}"/>
               </a:ext>
             </a:extLst>
           </p:cNvPr>
-          <p:cNvSpPr>
-            <a:spLocks noGrp="1"/>
-          </p:cNvSpPr>
-          <p:nvPr>
-            <p:ph type="title"/>
-          </p:nvPr>
-        </p:nvSpPr>
-        <p:spPr/>
-        <p:txBody>
-          <a:bodyPr/>
-          <a:lstStyle/>
-          <a:p>
-            <a:endParaRPr lang="en-US"/>
-          </a:p>
-        </p:txBody>
-      </p:sp>
-      <p:sp>
-        <p:nvSpPr>
-          <p:cNvPr id="3" name="Content Placeholder 2">
+          <p:cNvPicPr>
+            <a:picLocks noChangeAspect="1"/>
+          </p:cNvPicPr>
+          <p:nvPr/>
+        </p:nvPicPr>
+        <p:blipFill>
+          <a:blip r:embed="rId2">
+            <a:extLst>
+              <a:ext uri="{28A0092B-C50C-407E-A947-70E740481C1C}">
+                <a14:useLocalDpi xmlns:a14="http://schemas.microsoft.com/office/drawing/2010/main" val="0"/>
+              </a:ext>
+            </a:extLst>
+          </a:blip>
+          <a:stretch>
+            <a:fillRect/>
+          </a:stretch>
+        </p:blipFill>
+        <p:spPr>
+          <a:xfrm>
+            <a:off x="3026228" y="500743"/>
+            <a:ext cx="5704114" cy="5704114"/>
+          </a:xfrm>
+          <a:prstGeom prst="rect">
+            <a:avLst/>
+          </a:prstGeom>
+        </p:spPr>
+      </p:pic>
+    </p:spTree>
+    <p:extLst>
+      <p:ext uri="{BB962C8B-B14F-4D97-AF65-F5344CB8AC3E}">
+        <p14:creationId xmlns:p14="http://schemas.microsoft.com/office/powerpoint/2010/main" val="2393242659"/>
+      </p:ext>
+    </p:extLst>
+  </p:cSld>
+  <p:clrMapOvr>
+    <a:masterClrMapping/>
+  </p:clrMapOvr>
+</p:sld>
+</file>
+
+<file path=ppt/slides/slide7.xml><?xml version="1.0" encoding="utf-8"?>
+<p:sld xmlns:a="http://schemas.openxmlformats.org/drawingml/2006/main" xmlns:r="http://schemas.openxmlformats.org/officeDocument/2006/relationships" xmlns:p="http://schemas.openxmlformats.org/presentationml/2006/main">
+  <p:cSld>
+    <p:spTree>
+      <p:nvGrpSpPr>
+        <p:cNvPr id="1" name=""/>
+        <p:cNvGrpSpPr/>
+        <p:nvPr/>
+      </p:nvGrpSpPr>
+      <p:grpSpPr>
+        <a:xfrm>
+          <a:off x="0" y="0"/>
+          <a:ext cx="0" cy="0"/>
+          <a:chOff x="0" y="0"/>
+          <a:chExt cx="0" cy="0"/>
+        </a:xfrm>
+      </p:grpSpPr>
+      <p:pic>
+        <p:nvPicPr>
+          <p:cNvPr id="5" name="Content Placeholder 4">
             <a:extLst>
               <a:ext uri="{FF2B5EF4-FFF2-40B4-BE49-F238E27FC236}">
-                <a16:creationId xmlns:a16="http://schemas.microsoft.com/office/drawing/2014/main" id="{9FC4EF31-AEB1-4688-A967-EE66AA717C0F}"/>
+                <a16:creationId xmlns:a16="http://schemas.microsoft.com/office/drawing/2014/main" id="{882CD44E-17C8-4576-92A0-25465796AEB9}"/>
               </a:ext>
             </a:extLst>
           </p:cNvPr>
-          <p:cNvSpPr>
-            <a:spLocks noGrp="1"/>
-          </p:cNvSpPr>
+          <p:cNvPicPr>
+            <a:picLocks noGrp="1" noChangeAspect="1"/>
+          </p:cNvPicPr>
           <p:nvPr>
             <p:ph idx="1"/>
           </p:nvPr>
-        </p:nvSpPr>
-        <p:spPr/>
-        <p:txBody>
-          <a:bodyPr/>
-          <a:lstStyle/>
-          <a:p>
-            <a:endParaRPr lang="en-US"/>
-          </a:p>
-        </p:txBody>
-      </p:sp>
+        </p:nvPicPr>
+        <p:blipFill>
+          <a:blip r:embed="rId2">
+            <a:extLst>
+              <a:ext uri="{28A0092B-C50C-407E-A947-70E740481C1C}">
+                <a14:useLocalDpi xmlns:a14="http://schemas.microsoft.com/office/drawing/2010/main" val="0"/>
+              </a:ext>
+            </a:extLst>
+          </a:blip>
+          <a:stretch>
+            <a:fillRect/>
+          </a:stretch>
+        </p:blipFill>
+        <p:spPr>
+          <a:xfrm>
+            <a:off x="2654300" y="412750"/>
+            <a:ext cx="6032500" cy="6032500"/>
+          </a:xfrm>
+        </p:spPr>
+      </p:pic>
     </p:spTree>
     <p:extLst>
       <p:ext uri="{BB962C8B-B14F-4D97-AF65-F5344CB8AC3E}">
@@ -8245,7 +9038,7 @@
 </p:sld>
 </file>
 
-<file path=ppt/slides/slide7.xml><?xml version="1.0" encoding="utf-8"?>
+<file path=ppt/slides/slide8.xml><?xml version="1.0" encoding="utf-8"?>
 <p:sld xmlns:a="http://schemas.openxmlformats.org/drawingml/2006/main" xmlns:r="http://schemas.openxmlformats.org/officeDocument/2006/relationships" xmlns:p="http://schemas.openxmlformats.org/presentationml/2006/main">
   <p:cSld>
     <p:bg>
